--- a/media-source/bc27-upgrade-unmodified-app.pptx
+++ b/media-source/bc27-upgrade-unmodified-app.pptx
@@ -261,7 +261,7 @@
           <a:p>
             <a:fld id="{320E6F19-E882-4BCB-B674-79AC8F1E2D23}" type="datetimeFigureOut">
               <a:rPr lang="en-US" smtClean="0"/>
-              <a:t>9/4/2025</a:t>
+              <a:t>12/4/2025</a:t>
             </a:fld>
             <a:endParaRPr lang="en-US"/>
           </a:p>
@@ -461,7 +461,7 @@
           <a:p>
             <a:fld id="{320E6F19-E882-4BCB-B674-79AC8F1E2D23}" type="datetimeFigureOut">
               <a:rPr lang="en-US" smtClean="0"/>
-              <a:t>9/4/2025</a:t>
+              <a:t>12/4/2025</a:t>
             </a:fld>
             <a:endParaRPr lang="en-US"/>
           </a:p>
@@ -671,7 +671,7 @@
           <a:p>
             <a:fld id="{320E6F19-E882-4BCB-B674-79AC8F1E2D23}" type="datetimeFigureOut">
               <a:rPr lang="en-US" smtClean="0"/>
-              <a:t>9/4/2025</a:t>
+              <a:t>12/4/2025</a:t>
             </a:fld>
             <a:endParaRPr lang="en-US"/>
           </a:p>
@@ -871,7 +871,7 @@
           <a:p>
             <a:fld id="{320E6F19-E882-4BCB-B674-79AC8F1E2D23}" type="datetimeFigureOut">
               <a:rPr lang="en-US" smtClean="0"/>
-              <a:t>9/4/2025</a:t>
+              <a:t>12/4/2025</a:t>
             </a:fld>
             <a:endParaRPr lang="en-US"/>
           </a:p>
@@ -1147,7 +1147,7 @@
           <a:p>
             <a:fld id="{320E6F19-E882-4BCB-B674-79AC8F1E2D23}" type="datetimeFigureOut">
               <a:rPr lang="en-US" smtClean="0"/>
-              <a:t>9/4/2025</a:t>
+              <a:t>12/4/2025</a:t>
             </a:fld>
             <a:endParaRPr lang="en-US"/>
           </a:p>
@@ -1415,7 +1415,7 @@
           <a:p>
             <a:fld id="{320E6F19-E882-4BCB-B674-79AC8F1E2D23}" type="datetimeFigureOut">
               <a:rPr lang="en-US" smtClean="0"/>
-              <a:t>9/4/2025</a:t>
+              <a:t>12/4/2025</a:t>
             </a:fld>
             <a:endParaRPr lang="en-US"/>
           </a:p>
@@ -1830,7 +1830,7 @@
           <a:p>
             <a:fld id="{320E6F19-E882-4BCB-B674-79AC8F1E2D23}" type="datetimeFigureOut">
               <a:rPr lang="en-US" smtClean="0"/>
-              <a:t>9/4/2025</a:t>
+              <a:t>12/4/2025</a:t>
             </a:fld>
             <a:endParaRPr lang="en-US"/>
           </a:p>
@@ -1972,7 +1972,7 @@
           <a:p>
             <a:fld id="{320E6F19-E882-4BCB-B674-79AC8F1E2D23}" type="datetimeFigureOut">
               <a:rPr lang="en-US" smtClean="0"/>
-              <a:t>9/4/2025</a:t>
+              <a:t>12/4/2025</a:t>
             </a:fld>
             <a:endParaRPr lang="en-US"/>
           </a:p>
@@ -2085,7 +2085,7 @@
           <a:p>
             <a:fld id="{320E6F19-E882-4BCB-B674-79AC8F1E2D23}" type="datetimeFigureOut">
               <a:rPr lang="en-US" smtClean="0"/>
-              <a:t>9/4/2025</a:t>
+              <a:t>12/4/2025</a:t>
             </a:fld>
             <a:endParaRPr lang="en-US"/>
           </a:p>
@@ -2398,7 +2398,7 @@
           <a:p>
             <a:fld id="{320E6F19-E882-4BCB-B674-79AC8F1E2D23}" type="datetimeFigureOut">
               <a:rPr lang="en-US" smtClean="0"/>
-              <a:t>9/4/2025</a:t>
+              <a:t>12/4/2025</a:t>
             </a:fld>
             <a:endParaRPr lang="en-US"/>
           </a:p>
@@ -2687,7 +2687,7 @@
           <a:p>
             <a:fld id="{320E6F19-E882-4BCB-B674-79AC8F1E2D23}" type="datetimeFigureOut">
               <a:rPr lang="en-US" smtClean="0"/>
-              <a:t>9/4/2025</a:t>
+              <a:t>12/4/2025</a:t>
             </a:fld>
             <a:endParaRPr lang="en-US"/>
           </a:p>
@@ -2930,7 +2930,7 @@
           <a:p>
             <a:fld id="{320E6F19-E882-4BCB-B674-79AC8F1E2D23}" type="datetimeFigureOut">
               <a:rPr lang="en-US" smtClean="0"/>
-              <a:t>9/4/2025</a:t>
+              <a:t>12/4/2025</a:t>
             </a:fld>
             <a:endParaRPr lang="en-US"/>
           </a:p>
@@ -4787,71 +4787,6 @@
       </p:cxnSp>
       <p:sp>
         <p:nvSpPr>
-          <p:cNvPr id="13" name="Rektangel 51">
-            <a:extLst>
-              <a:ext uri="{FF2B5EF4-FFF2-40B4-BE49-F238E27FC236}">
-                <a16:creationId xmlns:a16="http://schemas.microsoft.com/office/drawing/2014/main" id="{2CFF2DFB-7604-9FF4-1B93-462462084CA5}"/>
-              </a:ext>
-            </a:extLst>
-          </p:cNvPr>
-          <p:cNvSpPr/>
-          <p:nvPr/>
-        </p:nvSpPr>
-        <p:spPr>
-          <a:xfrm>
-            <a:off x="5353981" y="4116426"/>
-            <a:ext cx="2957338" cy="162905"/>
-          </a:xfrm>
-          <a:prstGeom prst="rect">
-            <a:avLst/>
-          </a:prstGeom>
-          <a:solidFill>
-            <a:schemeClr val="bg2">
-              <a:lumMod val="75000"/>
-            </a:schemeClr>
-          </a:solidFill>
-          <a:ln w="28575">
-            <a:solidFill>
-              <a:schemeClr val="bg2">
-                <a:lumMod val="75000"/>
-              </a:schemeClr>
-            </a:solidFill>
-          </a:ln>
-        </p:spPr>
-        <p:style>
-          <a:lnRef idx="2">
-            <a:schemeClr val="accent1">
-              <a:shade val="50000"/>
-            </a:schemeClr>
-          </a:lnRef>
-          <a:fillRef idx="1">
-            <a:schemeClr val="accent1"/>
-          </a:fillRef>
-          <a:effectRef idx="0">
-            <a:schemeClr val="accent1"/>
-          </a:effectRef>
-          <a:fontRef idx="minor">
-            <a:schemeClr val="lt1"/>
-          </a:fontRef>
-        </p:style>
-        <p:txBody>
-          <a:bodyPr rtlCol="0" anchor="ctr"/>
-          <a:lstStyle/>
-          <a:p>
-            <a:pPr algn="ctr"/>
-            <a:r>
-              <a:rPr lang="da-DK" sz="1400" dirty="0">
-                <a:solidFill>
-                  <a:schemeClr val="bg1"/>
-                </a:solidFill>
-              </a:rPr>
-              <a:t>System Symbols V27</a:t>
-            </a:r>
-          </a:p>
-        </p:txBody>
-      </p:sp>
-      <p:sp>
-        <p:nvSpPr>
           <p:cNvPr id="14" name="Rektangel 52">
             <a:extLst>
               <a:ext uri="{FF2B5EF4-FFF2-40B4-BE49-F238E27FC236}">
